--- a/PPT/08-Accenture-FS-rxjs.pptx
+++ b/PPT/08-Accenture-FS-rxjs.pptx
@@ -27,7 +27,7 @@
   <p:sldSz cx="9144000" cy="6858000" type="screen4x3"/>
   <p:notesSz cx="7099300" cy="10234613"/>
   <p:custDataLst>
-    <p:tags r:id="rId19"/>
+    <p:tags r:id="rId20"/>
   </p:custDataLst>
   <p:defaultTextStyle>
     <a:defPPr>
@@ -156,7 +156,7 @@
   </p:defaultTextStyle>
   <p:extLst>
     <p:ext uri="{EFAFB233-063F-42B5-8137-9DF3F51BA10A}">
-      <p15:sldGuideLst xmlns:p15="http://schemas.microsoft.com/office/powerpoint/2012/main">
+      <p15:sldGuideLst xmlns:p15="http://schemas.microsoft.com/office/powerpoint/2012/main" xmlns="">
         <p15:guide id="1" orient="horz" pos="1275">
           <p15:clr>
             <a:srgbClr val="A4A3A4"/>
@@ -195,7 +195,7 @@
       </p15:sldGuideLst>
     </p:ext>
     <p:ext uri="{2D200454-40CA-4A62-9FC3-DE9A4176ACB9}">
-      <p15:notesGuideLst xmlns:p15="http://schemas.microsoft.com/office/powerpoint/2012/main">
+      <p15:notesGuideLst xmlns:p15="http://schemas.microsoft.com/office/powerpoint/2012/main" xmlns="">
         <p15:guide id="1" orient="horz" pos="3223">
           <p15:clr>
             <a:srgbClr val="A4A3A4"/>
@@ -400,7 +400,7 @@
             <a:tailEnd/>
           </a:ln>
           <a:extLst>
-            <a:ext uri="{909E8E84-426E-40DD-AFC4-6F175D3DCCD1}">
+            <a:ext uri="{909E8E84-426E-40dd-AFC4-6F175D3DCCD1}">
               <a14:hiddenFill xmlns:a14="http://schemas.microsoft.com/office/drawing/2010/main">
                 <a:solidFill>
                   <a:srgbClr val="FFFFFF"/>
@@ -749,14 +749,14 @@
           <a:noFill/>
           <a:ln/>
           <a:extLst>
-            <a:ext uri="{909E8E84-426E-40DD-AFC4-6F175D3DCCD1}">
+            <a:ext uri="{909E8E84-426E-40dd-AFC4-6F175D3DCCD1}">
               <a14:hiddenFill xmlns:a14="http://schemas.microsoft.com/office/drawing/2010/main">
                 <a:solidFill>
                   <a:srgbClr val="FFFFFF"/>
                 </a:solidFill>
               </a14:hiddenFill>
             </a:ext>
-            <a:ext uri="{91240B29-F687-4F45-9708-019B960494DF}">
+            <a:ext uri="{91240B29-F687-4f45-9708-019B960494DF}">
               <a14:hiddenLine xmlns:a14="http://schemas.microsoft.com/office/drawing/2010/main" w="9525">
                 <a:solidFill>
                   <a:srgbClr val="000000"/>
@@ -890,14 +890,14 @@
           <a:noFill/>
           <a:ln/>
           <a:extLst>
-            <a:ext uri="{909E8E84-426E-40DD-AFC4-6F175D3DCCD1}">
+            <a:ext uri="{909E8E84-426E-40dd-AFC4-6F175D3DCCD1}">
               <a14:hiddenFill xmlns:a14="http://schemas.microsoft.com/office/drawing/2010/main">
                 <a:solidFill>
                   <a:srgbClr val="FFFFFF"/>
                 </a:solidFill>
               </a14:hiddenFill>
             </a:ext>
-            <a:ext uri="{91240B29-F687-4F45-9708-019B960494DF}">
+            <a:ext uri="{91240B29-F687-4f45-9708-019B960494DF}">
               <a14:hiddenLine xmlns:a14="http://schemas.microsoft.com/office/drawing/2010/main" w="9525">
                 <a:solidFill>
                   <a:srgbClr val="000000"/>
@@ -1031,14 +1031,14 @@
           <a:noFill/>
           <a:ln/>
           <a:extLst>
-            <a:ext uri="{909E8E84-426E-40DD-AFC4-6F175D3DCCD1}">
+            <a:ext uri="{909E8E84-426E-40dd-AFC4-6F175D3DCCD1}">
               <a14:hiddenFill xmlns:a14="http://schemas.microsoft.com/office/drawing/2010/main">
                 <a:solidFill>
                   <a:srgbClr val="FFFFFF"/>
                 </a:solidFill>
               </a14:hiddenFill>
             </a:ext>
-            <a:ext uri="{91240B29-F687-4F45-9708-019B960494DF}">
+            <a:ext uri="{91240B29-F687-4f45-9708-019B960494DF}">
               <a14:hiddenLine xmlns:a14="http://schemas.microsoft.com/office/drawing/2010/main" w="9525">
                 <a:solidFill>
                   <a:srgbClr val="000000"/>
@@ -1173,14 +1173,14 @@
           <a:noFill/>
           <a:ln/>
           <a:extLst>
-            <a:ext uri="{909E8E84-426E-40DD-AFC4-6F175D3DCCD1}">
+            <a:ext uri="{909E8E84-426E-40dd-AFC4-6F175D3DCCD1}">
               <a14:hiddenFill xmlns:a14="http://schemas.microsoft.com/office/drawing/2010/main">
                 <a:solidFill>
                   <a:srgbClr val="FFFFFF"/>
                 </a:solidFill>
               </a14:hiddenFill>
             </a:ext>
-            <a:ext uri="{91240B29-F687-4F45-9708-019B960494DF}">
+            <a:ext uri="{91240B29-F687-4f45-9708-019B960494DF}">
               <a14:hiddenLine xmlns:a14="http://schemas.microsoft.com/office/drawing/2010/main" w="9525">
                 <a:solidFill>
                   <a:srgbClr val="000000"/>
@@ -1330,14 +1330,14 @@
           <a:noFill/>
           <a:ln/>
           <a:extLst>
-            <a:ext uri="{909E8E84-426E-40DD-AFC4-6F175D3DCCD1}">
+            <a:ext uri="{909E8E84-426E-40dd-AFC4-6F175D3DCCD1}">
               <a14:hiddenFill xmlns:a14="http://schemas.microsoft.com/office/drawing/2010/main">
                 <a:solidFill>
                   <a:srgbClr val="FFFFFF"/>
                 </a:solidFill>
               </a14:hiddenFill>
             </a:ext>
-            <a:ext uri="{91240B29-F687-4F45-9708-019B960494DF}">
+            <a:ext uri="{91240B29-F687-4f45-9708-019B960494DF}">
               <a14:hiddenLine xmlns:a14="http://schemas.microsoft.com/office/drawing/2010/main" w="9525">
                 <a:solidFill>
                   <a:srgbClr val="000000"/>
@@ -1403,14 +1403,14 @@
           <a:noFill/>
           <a:ln/>
           <a:extLst>
-            <a:ext uri="{909E8E84-426E-40DD-AFC4-6F175D3DCCD1}">
+            <a:ext uri="{909E8E84-426E-40dd-AFC4-6F175D3DCCD1}">
               <a14:hiddenFill xmlns:a14="http://schemas.microsoft.com/office/drawing/2010/main">
                 <a:solidFill>
                   <a:srgbClr val="FFFFFF"/>
                 </a:solidFill>
               </a14:hiddenFill>
             </a:ext>
-            <a:ext uri="{91240B29-F687-4F45-9708-019B960494DF}">
+            <a:ext uri="{91240B29-F687-4f45-9708-019B960494DF}">
               <a14:hiddenLine xmlns:a14="http://schemas.microsoft.com/office/drawing/2010/main" w="9525">
                 <a:solidFill>
                   <a:srgbClr val="000000"/>
@@ -1544,14 +1544,14 @@
           <a:noFill/>
           <a:ln/>
           <a:extLst>
-            <a:ext uri="{909E8E84-426E-40DD-AFC4-6F175D3DCCD1}">
+            <a:ext uri="{909E8E84-426E-40dd-AFC4-6F175D3DCCD1}">
               <a14:hiddenFill xmlns:a14="http://schemas.microsoft.com/office/drawing/2010/main">
                 <a:solidFill>
                   <a:srgbClr val="FFFFFF"/>
                 </a:solidFill>
               </a14:hiddenFill>
             </a:ext>
-            <a:ext uri="{91240B29-F687-4F45-9708-019B960494DF}">
+            <a:ext uri="{91240B29-F687-4f45-9708-019B960494DF}">
               <a14:hiddenLine xmlns:a14="http://schemas.microsoft.com/office/drawing/2010/main" w="9525">
                 <a:solidFill>
                   <a:srgbClr val="000000"/>
@@ -1685,14 +1685,14 @@
           <a:noFill/>
           <a:ln/>
           <a:extLst>
-            <a:ext uri="{909E8E84-426E-40DD-AFC4-6F175D3DCCD1}">
+            <a:ext uri="{909E8E84-426E-40dd-AFC4-6F175D3DCCD1}">
               <a14:hiddenFill xmlns:a14="http://schemas.microsoft.com/office/drawing/2010/main">
                 <a:solidFill>
                   <a:srgbClr val="FFFFFF"/>
                 </a:solidFill>
               </a14:hiddenFill>
             </a:ext>
-            <a:ext uri="{91240B29-F687-4F45-9708-019B960494DF}">
+            <a:ext uri="{91240B29-F687-4f45-9708-019B960494DF}">
               <a14:hiddenLine xmlns:a14="http://schemas.microsoft.com/office/drawing/2010/main" w="9525">
                 <a:solidFill>
                   <a:srgbClr val="000000"/>
@@ -1826,14 +1826,14 @@
           <a:noFill/>
           <a:ln/>
           <a:extLst>
-            <a:ext uri="{909E8E84-426E-40DD-AFC4-6F175D3DCCD1}">
+            <a:ext uri="{909E8E84-426E-40dd-AFC4-6F175D3DCCD1}">
               <a14:hiddenFill xmlns:a14="http://schemas.microsoft.com/office/drawing/2010/main">
                 <a:solidFill>
                   <a:srgbClr val="FFFFFF"/>
                 </a:solidFill>
               </a14:hiddenFill>
             </a:ext>
-            <a:ext uri="{91240B29-F687-4F45-9708-019B960494DF}">
+            <a:ext uri="{91240B29-F687-4f45-9708-019B960494DF}">
               <a14:hiddenLine xmlns:a14="http://schemas.microsoft.com/office/drawing/2010/main" w="9525">
                 <a:solidFill>
                   <a:srgbClr val="000000"/>
@@ -1983,14 +1983,14 @@
           <a:noFill/>
           <a:ln/>
           <a:extLst>
-            <a:ext uri="{909E8E84-426E-40DD-AFC4-6F175D3DCCD1}">
+            <a:ext uri="{909E8E84-426E-40dd-AFC4-6F175D3DCCD1}">
               <a14:hiddenFill xmlns:a14="http://schemas.microsoft.com/office/drawing/2010/main">
                 <a:solidFill>
                   <a:srgbClr val="FFFFFF"/>
                 </a:solidFill>
               </a14:hiddenFill>
             </a:ext>
-            <a:ext uri="{91240B29-F687-4F45-9708-019B960494DF}">
+            <a:ext uri="{91240B29-F687-4f45-9708-019B960494DF}">
               <a14:hiddenLine xmlns:a14="http://schemas.microsoft.com/office/drawing/2010/main" w="9525">
                 <a:solidFill>
                   <a:srgbClr val="000000"/>
@@ -2076,14 +2076,14 @@
           <a:noFill/>
           <a:ln/>
           <a:extLst>
-            <a:ext uri="{909E8E84-426E-40DD-AFC4-6F175D3DCCD1}">
+            <a:ext uri="{909E8E84-426E-40dd-AFC4-6F175D3DCCD1}">
               <a14:hiddenFill xmlns:a14="http://schemas.microsoft.com/office/drawing/2010/main">
                 <a:solidFill>
                   <a:srgbClr val="FFFFFF"/>
                 </a:solidFill>
               </a14:hiddenFill>
             </a:ext>
-            <a:ext uri="{91240B29-F687-4F45-9708-019B960494DF}">
+            <a:ext uri="{91240B29-F687-4f45-9708-019B960494DF}">
               <a14:hiddenLine xmlns:a14="http://schemas.microsoft.com/office/drawing/2010/main" w="9525">
                 <a:solidFill>
                   <a:srgbClr val="000000"/>
@@ -2125,14 +2125,14 @@
             <a:noFill/>
           </a:ln>
           <a:extLst>
-            <a:ext uri="{909E8E84-426E-40DD-AFC4-6F175D3DCCD1}">
+            <a:ext uri="{909E8E84-426E-40dd-AFC4-6F175D3DCCD1}">
               <a14:hiddenFill xmlns:a14="http://schemas.microsoft.com/office/drawing/2010/main">
                 <a:solidFill>
                   <a:srgbClr val="FFFFFF"/>
                 </a:solidFill>
               </a14:hiddenFill>
             </a:ext>
-            <a:ext uri="{91240B29-F687-4F45-9708-019B960494DF}">
+            <a:ext uri="{91240B29-F687-4f45-9708-019B960494DF}">
               <a14:hiddenLine xmlns:a14="http://schemas.microsoft.com/office/drawing/2010/main" w="9525">
                 <a:solidFill>
                   <a:srgbClr val="000000"/>
@@ -2273,14 +2273,14 @@
             <a:noFill/>
           </a:ln>
           <a:extLst>
-            <a:ext uri="{909E8E84-426E-40DD-AFC4-6F175D3DCCD1}">
+            <a:ext uri="{909E8E84-426E-40dd-AFC4-6F175D3DCCD1}">
               <a14:hiddenFill xmlns:a14="http://schemas.microsoft.com/office/drawing/2010/main">
                 <a:solidFill>
                   <a:srgbClr val="FFFFFF"/>
                 </a:solidFill>
               </a14:hiddenFill>
             </a:ext>
-            <a:ext uri="{91240B29-F687-4F45-9708-019B960494DF}">
+            <a:ext uri="{91240B29-F687-4f45-9708-019B960494DF}">
               <a14:hiddenLine xmlns:a14="http://schemas.microsoft.com/office/drawing/2010/main" w="9525">
                 <a:solidFill>
                   <a:srgbClr val="000000"/>
@@ -2422,14 +2422,14 @@
             <a:noFill/>
           </a:ln>
           <a:extLst>
-            <a:ext uri="{909E8E84-426E-40DD-AFC4-6F175D3DCCD1}">
+            <a:ext uri="{909E8E84-426E-40dd-AFC4-6F175D3DCCD1}">
               <a14:hiddenFill xmlns:a14="http://schemas.microsoft.com/office/drawing/2010/main">
                 <a:solidFill>
                   <a:srgbClr val="FFFFFF"/>
                 </a:solidFill>
               </a14:hiddenFill>
             </a:ext>
-            <a:ext uri="{91240B29-F687-4F45-9708-019B960494DF}">
+            <a:ext uri="{91240B29-F687-4f45-9708-019B960494DF}">
               <a14:hiddenLine xmlns:a14="http://schemas.microsoft.com/office/drawing/2010/main" w="9525">
                 <a:solidFill>
                   <a:srgbClr val="000000"/>
@@ -2571,14 +2571,14 @@
             <a:noFill/>
           </a:ln>
           <a:extLst>
-            <a:ext uri="{909E8E84-426E-40DD-AFC4-6F175D3DCCD1}">
+            <a:ext uri="{909E8E84-426E-40dd-AFC4-6F175D3DCCD1}">
               <a14:hiddenFill xmlns:a14="http://schemas.microsoft.com/office/drawing/2010/main">
                 <a:solidFill>
                   <a:srgbClr val="FFFFFF"/>
                 </a:solidFill>
               </a14:hiddenFill>
             </a:ext>
-            <a:ext uri="{91240B29-F687-4F45-9708-019B960494DF}">
+            <a:ext uri="{91240B29-F687-4f45-9708-019B960494DF}">
               <a14:hiddenLine xmlns:a14="http://schemas.microsoft.com/office/drawing/2010/main" w="9525">
                 <a:solidFill>
                   <a:srgbClr val="000000"/>
@@ -2745,14 +2745,14 @@
           <a:noFill/>
           <a:ln/>
           <a:extLst>
-            <a:ext uri="{909E8E84-426E-40DD-AFC4-6F175D3DCCD1}">
+            <a:ext uri="{909E8E84-426E-40dd-AFC4-6F175D3DCCD1}">
               <a14:hiddenFill xmlns:a14="http://schemas.microsoft.com/office/drawing/2010/main">
                 <a:solidFill>
                   <a:srgbClr val="FFFFFF"/>
                 </a:solidFill>
               </a14:hiddenFill>
             </a:ext>
-            <a:ext uri="{91240B29-F687-4F45-9708-019B960494DF}">
+            <a:ext uri="{91240B29-F687-4f45-9708-019B960494DF}">
               <a14:hiddenLine xmlns:a14="http://schemas.microsoft.com/office/drawing/2010/main" w="9525">
                 <a:solidFill>
                   <a:srgbClr val="000000"/>
@@ -2886,14 +2886,14 @@
           <a:noFill/>
           <a:ln/>
           <a:extLst>
-            <a:ext uri="{909E8E84-426E-40DD-AFC4-6F175D3DCCD1}">
+            <a:ext uri="{909E8E84-426E-40dd-AFC4-6F175D3DCCD1}">
               <a14:hiddenFill xmlns:a14="http://schemas.microsoft.com/office/drawing/2010/main">
                 <a:solidFill>
                   <a:srgbClr val="FFFFFF"/>
                 </a:solidFill>
               </a14:hiddenFill>
             </a:ext>
-            <a:ext uri="{91240B29-F687-4F45-9708-019B960494DF}">
+            <a:ext uri="{91240B29-F687-4f45-9708-019B960494DF}">
               <a14:hiddenLine xmlns:a14="http://schemas.microsoft.com/office/drawing/2010/main" w="9525">
                 <a:solidFill>
                   <a:srgbClr val="000000"/>
@@ -3027,14 +3027,14 @@
           <a:noFill/>
           <a:ln/>
           <a:extLst>
-            <a:ext uri="{909E8E84-426E-40DD-AFC4-6F175D3DCCD1}">
+            <a:ext uri="{909E8E84-426E-40dd-AFC4-6F175D3DCCD1}">
               <a14:hiddenFill xmlns:a14="http://schemas.microsoft.com/office/drawing/2010/main">
                 <a:solidFill>
                   <a:srgbClr val="FFFFFF"/>
                 </a:solidFill>
               </a14:hiddenFill>
             </a:ext>
-            <a:ext uri="{91240B29-F687-4F45-9708-019B960494DF}">
+            <a:ext uri="{91240B29-F687-4f45-9708-019B960494DF}">
               <a14:hiddenLine xmlns:a14="http://schemas.microsoft.com/office/drawing/2010/main" w="9525">
                 <a:solidFill>
                   <a:srgbClr val="000000"/>
@@ -3168,14 +3168,14 @@
           <a:noFill/>
           <a:ln/>
           <a:extLst>
-            <a:ext uri="{909E8E84-426E-40DD-AFC4-6F175D3DCCD1}">
+            <a:ext uri="{909E8E84-426E-40dd-AFC4-6F175D3DCCD1}">
               <a14:hiddenFill xmlns:a14="http://schemas.microsoft.com/office/drawing/2010/main">
                 <a:solidFill>
                   <a:srgbClr val="FFFFFF"/>
                 </a:solidFill>
               </a14:hiddenFill>
             </a:ext>
-            <a:ext uri="{91240B29-F687-4F45-9708-019B960494DF}">
+            <a:ext uri="{91240B29-F687-4f45-9708-019B960494DF}">
               <a14:hiddenLine xmlns:a14="http://schemas.microsoft.com/office/drawing/2010/main" w="9525">
                 <a:solidFill>
                   <a:srgbClr val="000000"/>
@@ -3325,14 +3325,14 @@
           <a:noFill/>
           <a:ln/>
           <a:extLst>
-            <a:ext uri="{909E8E84-426E-40DD-AFC4-6F175D3DCCD1}">
+            <a:ext uri="{909E8E84-426E-40dd-AFC4-6F175D3DCCD1}">
               <a14:hiddenFill xmlns:a14="http://schemas.microsoft.com/office/drawing/2010/main">
                 <a:solidFill>
                   <a:srgbClr val="FFFFFF"/>
                 </a:solidFill>
               </a14:hiddenFill>
             </a:ext>
-            <a:ext uri="{91240B29-F687-4F45-9708-019B960494DF}">
+            <a:ext uri="{91240B29-F687-4f45-9708-019B960494DF}">
               <a14:hiddenLine xmlns:a14="http://schemas.microsoft.com/office/drawing/2010/main" w="9525">
                 <a:solidFill>
                   <a:srgbClr val="000000"/>
@@ -3396,14 +3396,14 @@
           <a:noFill/>
           <a:ln/>
           <a:extLst>
-            <a:ext uri="{909E8E84-426E-40DD-AFC4-6F175D3DCCD1}">
+            <a:ext uri="{909E8E84-426E-40dd-AFC4-6F175D3DCCD1}">
               <a14:hiddenFill xmlns:a14="http://schemas.microsoft.com/office/drawing/2010/main">
                 <a:solidFill>
                   <a:srgbClr val="FFFFFF"/>
                 </a:solidFill>
               </a14:hiddenFill>
             </a:ext>
-            <a:ext uri="{91240B29-F687-4F45-9708-019B960494DF}">
+            <a:ext uri="{91240B29-F687-4f45-9708-019B960494DF}">
               <a14:hiddenLine xmlns:a14="http://schemas.microsoft.com/office/drawing/2010/main" w="9525">
                 <a:solidFill>
                   <a:srgbClr val="000000"/>
@@ -3537,14 +3537,14 @@
           <a:noFill/>
           <a:ln/>
           <a:extLst>
-            <a:ext uri="{909E8E84-426E-40DD-AFC4-6F175D3DCCD1}">
+            <a:ext uri="{909E8E84-426E-40dd-AFC4-6F175D3DCCD1}">
               <a14:hiddenFill xmlns:a14="http://schemas.microsoft.com/office/drawing/2010/main">
                 <a:solidFill>
                   <a:srgbClr val="FFFFFF"/>
                 </a:solidFill>
               </a14:hiddenFill>
             </a:ext>
-            <a:ext uri="{91240B29-F687-4F45-9708-019B960494DF}">
+            <a:ext uri="{91240B29-F687-4f45-9708-019B960494DF}">
               <a14:hiddenLine xmlns:a14="http://schemas.microsoft.com/office/drawing/2010/main" w="9525">
                 <a:solidFill>
                   <a:srgbClr val="000000"/>
@@ -3678,14 +3678,14 @@
           <a:noFill/>
           <a:ln/>
           <a:extLst>
-            <a:ext uri="{909E8E84-426E-40DD-AFC4-6F175D3DCCD1}">
+            <a:ext uri="{909E8E84-426E-40dd-AFC4-6F175D3DCCD1}">
               <a14:hiddenFill xmlns:a14="http://schemas.microsoft.com/office/drawing/2010/main">
                 <a:solidFill>
                   <a:srgbClr val="FFFFFF"/>
                 </a:solidFill>
               </a14:hiddenFill>
             </a:ext>
-            <a:ext uri="{91240B29-F687-4F45-9708-019B960494DF}">
+            <a:ext uri="{91240B29-F687-4f45-9708-019B960494DF}">
               <a14:hiddenLine xmlns:a14="http://schemas.microsoft.com/office/drawing/2010/main" w="9525">
                 <a:solidFill>
                   <a:srgbClr val="000000"/>
@@ -3819,14 +3819,14 @@
           <a:noFill/>
           <a:ln/>
           <a:extLst>
-            <a:ext uri="{909E8E84-426E-40DD-AFC4-6F175D3DCCD1}">
+            <a:ext uri="{909E8E84-426E-40dd-AFC4-6F175D3DCCD1}">
               <a14:hiddenFill xmlns:a14="http://schemas.microsoft.com/office/drawing/2010/main">
                 <a:solidFill>
                   <a:srgbClr val="FFFFFF"/>
                 </a:solidFill>
               </a14:hiddenFill>
             </a:ext>
-            <a:ext uri="{91240B29-F687-4F45-9708-019B960494DF}">
+            <a:ext uri="{91240B29-F687-4f45-9708-019B960494DF}">
               <a14:hiddenLine xmlns:a14="http://schemas.microsoft.com/office/drawing/2010/main" w="9525">
                 <a:solidFill>
                   <a:srgbClr val="000000"/>
@@ -3976,14 +3976,14 @@
           <a:noFill/>
           <a:ln/>
           <a:extLst>
-            <a:ext uri="{909E8E84-426E-40DD-AFC4-6F175D3DCCD1}">
+            <a:ext uri="{909E8E84-426E-40dd-AFC4-6F175D3DCCD1}">
               <a14:hiddenFill xmlns:a14="http://schemas.microsoft.com/office/drawing/2010/main">
                 <a:solidFill>
                   <a:srgbClr val="FFFFFF"/>
                 </a:solidFill>
               </a14:hiddenFill>
             </a:ext>
-            <a:ext uri="{91240B29-F687-4F45-9708-019B960494DF}">
+            <a:ext uri="{91240B29-F687-4f45-9708-019B960494DF}">
               <a14:hiddenLine xmlns:a14="http://schemas.microsoft.com/office/drawing/2010/main" w="9525">
                 <a:solidFill>
                   <a:srgbClr val="000000"/>
@@ -4047,14 +4047,14 @@
           <a:noFill/>
           <a:ln/>
           <a:extLst>
-            <a:ext uri="{909E8E84-426E-40DD-AFC4-6F175D3DCCD1}">
+            <a:ext uri="{909E8E84-426E-40dd-AFC4-6F175D3DCCD1}">
               <a14:hiddenFill xmlns:a14="http://schemas.microsoft.com/office/drawing/2010/main">
                 <a:solidFill>
                   <a:srgbClr val="FFFFFF"/>
                 </a:solidFill>
               </a14:hiddenFill>
             </a:ext>
-            <a:ext uri="{91240B29-F687-4F45-9708-019B960494DF}">
+            <a:ext uri="{91240B29-F687-4f45-9708-019B960494DF}">
               <a14:hiddenLine xmlns:a14="http://schemas.microsoft.com/office/drawing/2010/main" w="9525">
                 <a:solidFill>
                   <a:srgbClr val="000000"/>
@@ -4188,14 +4188,14 @@
           <a:noFill/>
           <a:ln/>
           <a:extLst>
-            <a:ext uri="{909E8E84-426E-40DD-AFC4-6F175D3DCCD1}">
+            <a:ext uri="{909E8E84-426E-40dd-AFC4-6F175D3DCCD1}">
               <a14:hiddenFill xmlns:a14="http://schemas.microsoft.com/office/drawing/2010/main">
                 <a:solidFill>
                   <a:srgbClr val="FFFFFF"/>
                 </a:solidFill>
               </a14:hiddenFill>
             </a:ext>
-            <a:ext uri="{91240B29-F687-4F45-9708-019B960494DF}">
+            <a:ext uri="{91240B29-F687-4f45-9708-019B960494DF}">
               <a14:hiddenLine xmlns:a14="http://schemas.microsoft.com/office/drawing/2010/main" w="9525">
                 <a:solidFill>
                   <a:srgbClr val="000000"/>
@@ -4329,14 +4329,14 @@
           <a:noFill/>
           <a:ln/>
           <a:extLst>
-            <a:ext uri="{909E8E84-426E-40DD-AFC4-6F175D3DCCD1}">
+            <a:ext uri="{909E8E84-426E-40dd-AFC4-6F175D3DCCD1}">
               <a14:hiddenFill xmlns:a14="http://schemas.microsoft.com/office/drawing/2010/main">
                 <a:solidFill>
                   <a:srgbClr val="FFFFFF"/>
                 </a:solidFill>
               </a14:hiddenFill>
             </a:ext>
-            <a:ext uri="{91240B29-F687-4F45-9708-019B960494DF}">
+            <a:ext uri="{91240B29-F687-4f45-9708-019B960494DF}">
               <a14:hiddenLine xmlns:a14="http://schemas.microsoft.com/office/drawing/2010/main" w="9525">
                 <a:solidFill>
                   <a:srgbClr val="000000"/>
@@ -4470,14 +4470,14 @@
           <a:noFill/>
           <a:ln/>
           <a:extLst>
-            <a:ext uri="{909E8E84-426E-40DD-AFC4-6F175D3DCCD1}">
+            <a:ext uri="{909E8E84-426E-40dd-AFC4-6F175D3DCCD1}">
               <a14:hiddenFill xmlns:a14="http://schemas.microsoft.com/office/drawing/2010/main">
                 <a:solidFill>
                   <a:srgbClr val="FFFFFF"/>
                 </a:solidFill>
               </a14:hiddenFill>
             </a:ext>
-            <a:ext uri="{91240B29-F687-4F45-9708-019B960494DF}">
+            <a:ext uri="{91240B29-F687-4f45-9708-019B960494DF}">
               <a14:hiddenLine xmlns:a14="http://schemas.microsoft.com/office/drawing/2010/main" w="9525">
                 <a:solidFill>
                   <a:srgbClr val="000000"/>
@@ -4627,14 +4627,14 @@
           <a:noFill/>
           <a:ln/>
           <a:extLst>
-            <a:ext uri="{909E8E84-426E-40DD-AFC4-6F175D3DCCD1}">
+            <a:ext uri="{909E8E84-426E-40dd-AFC4-6F175D3DCCD1}">
               <a14:hiddenFill xmlns:a14="http://schemas.microsoft.com/office/drawing/2010/main">
                 <a:solidFill>
                   <a:srgbClr val="FFFFFF"/>
                 </a:solidFill>
               </a14:hiddenFill>
             </a:ext>
-            <a:ext uri="{91240B29-F687-4F45-9708-019B960494DF}">
+            <a:ext uri="{91240B29-F687-4f45-9708-019B960494DF}">
               <a14:hiddenLine xmlns:a14="http://schemas.microsoft.com/office/drawing/2010/main" w="9525">
                 <a:solidFill>
                   <a:srgbClr val="000000"/>
@@ -4698,14 +4698,14 @@
           <a:noFill/>
           <a:ln/>
           <a:extLst>
-            <a:ext uri="{909E8E84-426E-40DD-AFC4-6F175D3DCCD1}">
+            <a:ext uri="{909E8E84-426E-40dd-AFC4-6F175D3DCCD1}">
               <a14:hiddenFill xmlns:a14="http://schemas.microsoft.com/office/drawing/2010/main">
                 <a:solidFill>
                   <a:srgbClr val="FFFFFF"/>
                 </a:solidFill>
               </a14:hiddenFill>
             </a:ext>
-            <a:ext uri="{91240B29-F687-4F45-9708-019B960494DF}">
+            <a:ext uri="{91240B29-F687-4f45-9708-019B960494DF}">
               <a14:hiddenLine xmlns:a14="http://schemas.microsoft.com/office/drawing/2010/main" w="9525">
                 <a:solidFill>
                   <a:srgbClr val="000000"/>
@@ -4839,14 +4839,14 @@
           <a:noFill/>
           <a:ln/>
           <a:extLst>
-            <a:ext uri="{909E8E84-426E-40DD-AFC4-6F175D3DCCD1}">
+            <a:ext uri="{909E8E84-426E-40dd-AFC4-6F175D3DCCD1}">
               <a14:hiddenFill xmlns:a14="http://schemas.microsoft.com/office/drawing/2010/main">
                 <a:solidFill>
                   <a:srgbClr val="FFFFFF"/>
                 </a:solidFill>
               </a14:hiddenFill>
             </a:ext>
-            <a:ext uri="{91240B29-F687-4F45-9708-019B960494DF}">
+            <a:ext uri="{91240B29-F687-4f45-9708-019B960494DF}">
               <a14:hiddenLine xmlns:a14="http://schemas.microsoft.com/office/drawing/2010/main" w="9525">
                 <a:solidFill>
                   <a:srgbClr val="000000"/>
@@ -4980,14 +4980,14 @@
           <a:noFill/>
           <a:ln/>
           <a:extLst>
-            <a:ext uri="{909E8E84-426E-40DD-AFC4-6F175D3DCCD1}">
+            <a:ext uri="{909E8E84-426E-40dd-AFC4-6F175D3DCCD1}">
               <a14:hiddenFill xmlns:a14="http://schemas.microsoft.com/office/drawing/2010/main">
                 <a:solidFill>
                   <a:srgbClr val="FFFFFF"/>
                 </a:solidFill>
               </a14:hiddenFill>
             </a:ext>
-            <a:ext uri="{91240B29-F687-4F45-9708-019B960494DF}">
+            <a:ext uri="{91240B29-F687-4f45-9708-019B960494DF}">
               <a14:hiddenLine xmlns:a14="http://schemas.microsoft.com/office/drawing/2010/main" w="9525">
                 <a:solidFill>
                   <a:srgbClr val="000000"/>
@@ -5121,14 +5121,14 @@
           <a:noFill/>
           <a:ln/>
           <a:extLst>
-            <a:ext uri="{909E8E84-426E-40DD-AFC4-6F175D3DCCD1}">
+            <a:ext uri="{909E8E84-426E-40dd-AFC4-6F175D3DCCD1}">
               <a14:hiddenFill xmlns:a14="http://schemas.microsoft.com/office/drawing/2010/main">
                 <a:solidFill>
                   <a:srgbClr val="FFFFFF"/>
                 </a:solidFill>
               </a14:hiddenFill>
             </a:ext>
-            <a:ext uri="{91240B29-F687-4F45-9708-019B960494DF}">
+            <a:ext uri="{91240B29-F687-4f45-9708-019B960494DF}">
               <a14:hiddenLine xmlns:a14="http://schemas.microsoft.com/office/drawing/2010/main" w="9525">
                 <a:solidFill>
                   <a:srgbClr val="000000"/>
@@ -5278,14 +5278,14 @@
           <a:noFill/>
           <a:ln/>
           <a:extLst>
-            <a:ext uri="{909E8E84-426E-40DD-AFC4-6F175D3DCCD1}">
+            <a:ext uri="{909E8E84-426E-40dd-AFC4-6F175D3DCCD1}">
               <a14:hiddenFill xmlns:a14="http://schemas.microsoft.com/office/drawing/2010/main">
                 <a:solidFill>
                   <a:srgbClr val="FFFFFF"/>
                 </a:solidFill>
               </a14:hiddenFill>
             </a:ext>
-            <a:ext uri="{91240B29-F687-4F45-9708-019B960494DF}">
+            <a:ext uri="{91240B29-F687-4f45-9708-019B960494DF}">
               <a14:hiddenLine xmlns:a14="http://schemas.microsoft.com/office/drawing/2010/main" w="9525">
                 <a:solidFill>
                   <a:srgbClr val="000000"/>
@@ -5363,14 +5363,14 @@
           <a:noFill/>
           <a:ln/>
           <a:extLst>
-            <a:ext uri="{909E8E84-426E-40DD-AFC4-6F175D3DCCD1}">
+            <a:ext uri="{909E8E84-426E-40dd-AFC4-6F175D3DCCD1}">
               <a14:hiddenFill xmlns:a14="http://schemas.microsoft.com/office/drawing/2010/main">
                 <a:solidFill>
                   <a:srgbClr val="FFFFFF"/>
                 </a:solidFill>
               </a14:hiddenFill>
             </a:ext>
-            <a:ext uri="{91240B29-F687-4F45-9708-019B960494DF}">
+            <a:ext uri="{91240B29-F687-4f45-9708-019B960494DF}">
               <a14:hiddenLine xmlns:a14="http://schemas.microsoft.com/office/drawing/2010/main" w="9525">
                 <a:solidFill>
                   <a:srgbClr val="000000"/>
@@ -5463,14 +5463,14 @@
             <a:noFill/>
           </a:ln>
           <a:extLst>
-            <a:ext uri="{909E8E84-426E-40DD-AFC4-6F175D3DCCD1}">
+            <a:ext uri="{909E8E84-426E-40dd-AFC4-6F175D3DCCD1}">
               <a14:hiddenFill xmlns:a14="http://schemas.microsoft.com/office/drawing/2010/main">
                 <a:solidFill>
                   <a:srgbClr val="FFFFFF"/>
                 </a:solidFill>
               </a14:hiddenFill>
             </a:ext>
-            <a:ext uri="{91240B29-F687-4F45-9708-019B960494DF}">
+            <a:ext uri="{91240B29-F687-4f45-9708-019B960494DF}">
               <a14:hiddenLine xmlns:a14="http://schemas.microsoft.com/office/drawing/2010/main" w="9525">
                 <a:solidFill>
                   <a:srgbClr val="000000"/>
@@ -5611,14 +5611,14 @@
             <a:noFill/>
           </a:ln>
           <a:extLst>
-            <a:ext uri="{909E8E84-426E-40DD-AFC4-6F175D3DCCD1}">
+            <a:ext uri="{909E8E84-426E-40dd-AFC4-6F175D3DCCD1}">
               <a14:hiddenFill xmlns:a14="http://schemas.microsoft.com/office/drawing/2010/main">
                 <a:solidFill>
                   <a:srgbClr val="FFFFFF"/>
                 </a:solidFill>
               </a14:hiddenFill>
             </a:ext>
-            <a:ext uri="{91240B29-F687-4F45-9708-019B960494DF}">
+            <a:ext uri="{91240B29-F687-4f45-9708-019B960494DF}">
               <a14:hiddenLine xmlns:a14="http://schemas.microsoft.com/office/drawing/2010/main" w="9525">
                 <a:solidFill>
                   <a:srgbClr val="000000"/>
@@ -5760,14 +5760,14 @@
             <a:noFill/>
           </a:ln>
           <a:extLst>
-            <a:ext uri="{909E8E84-426E-40DD-AFC4-6F175D3DCCD1}">
+            <a:ext uri="{909E8E84-426E-40dd-AFC4-6F175D3DCCD1}">
               <a14:hiddenFill xmlns:a14="http://schemas.microsoft.com/office/drawing/2010/main">
                 <a:solidFill>
                   <a:srgbClr val="FFFFFF"/>
                 </a:solidFill>
               </a14:hiddenFill>
             </a:ext>
-            <a:ext uri="{91240B29-F687-4F45-9708-019B960494DF}">
+            <a:ext uri="{91240B29-F687-4f45-9708-019B960494DF}">
               <a14:hiddenLine xmlns:a14="http://schemas.microsoft.com/office/drawing/2010/main" w="9525">
                 <a:solidFill>
                   <a:srgbClr val="000000"/>
@@ -5909,14 +5909,14 @@
             <a:noFill/>
           </a:ln>
           <a:extLst>
-            <a:ext uri="{909E8E84-426E-40DD-AFC4-6F175D3DCCD1}">
+            <a:ext uri="{909E8E84-426E-40dd-AFC4-6F175D3DCCD1}">
               <a14:hiddenFill xmlns:a14="http://schemas.microsoft.com/office/drawing/2010/main">
                 <a:solidFill>
                   <a:srgbClr val="FFFFFF"/>
                 </a:solidFill>
               </a14:hiddenFill>
             </a:ext>
-            <a:ext uri="{91240B29-F687-4F45-9708-019B960494DF}">
+            <a:ext uri="{91240B29-F687-4f45-9708-019B960494DF}">
               <a14:hiddenLine xmlns:a14="http://schemas.microsoft.com/office/drawing/2010/main" w="9525">
                 <a:solidFill>
                   <a:srgbClr val="000000"/>
@@ -6083,14 +6083,14 @@
           <a:noFill/>
           <a:ln/>
           <a:extLst>
-            <a:ext uri="{909E8E84-426E-40DD-AFC4-6F175D3DCCD1}">
+            <a:ext uri="{909E8E84-426E-40dd-AFC4-6F175D3DCCD1}">
               <a14:hiddenFill xmlns:a14="http://schemas.microsoft.com/office/drawing/2010/main">
                 <a:solidFill>
                   <a:srgbClr val="FFFFFF"/>
                 </a:solidFill>
               </a14:hiddenFill>
             </a:ext>
-            <a:ext uri="{91240B29-F687-4F45-9708-019B960494DF}">
+            <a:ext uri="{91240B29-F687-4f45-9708-019B960494DF}">
               <a14:hiddenLine xmlns:a14="http://schemas.microsoft.com/office/drawing/2010/main" w="9525">
                 <a:solidFill>
                   <a:srgbClr val="000000"/>
@@ -6224,14 +6224,14 @@
           <a:noFill/>
           <a:ln/>
           <a:extLst>
-            <a:ext uri="{909E8E84-426E-40DD-AFC4-6F175D3DCCD1}">
+            <a:ext uri="{909E8E84-426E-40dd-AFC4-6F175D3DCCD1}">
               <a14:hiddenFill xmlns:a14="http://schemas.microsoft.com/office/drawing/2010/main">
                 <a:solidFill>
                   <a:srgbClr val="FFFFFF"/>
                 </a:solidFill>
               </a14:hiddenFill>
             </a:ext>
-            <a:ext uri="{91240B29-F687-4F45-9708-019B960494DF}">
+            <a:ext uri="{91240B29-F687-4f45-9708-019B960494DF}">
               <a14:hiddenLine xmlns:a14="http://schemas.microsoft.com/office/drawing/2010/main" w="9525">
                 <a:solidFill>
                   <a:srgbClr val="000000"/>
@@ -6365,14 +6365,14 @@
           <a:noFill/>
           <a:ln/>
           <a:extLst>
-            <a:ext uri="{909E8E84-426E-40DD-AFC4-6F175D3DCCD1}">
+            <a:ext uri="{909E8E84-426E-40dd-AFC4-6F175D3DCCD1}">
               <a14:hiddenFill xmlns:a14="http://schemas.microsoft.com/office/drawing/2010/main">
                 <a:solidFill>
                   <a:srgbClr val="FFFFFF"/>
                 </a:solidFill>
               </a14:hiddenFill>
             </a:ext>
-            <a:ext uri="{91240B29-F687-4F45-9708-019B960494DF}">
+            <a:ext uri="{91240B29-F687-4f45-9708-019B960494DF}">
               <a14:hiddenLine xmlns:a14="http://schemas.microsoft.com/office/drawing/2010/main" w="9525">
                 <a:solidFill>
                   <a:srgbClr val="000000"/>
@@ -6506,14 +6506,14 @@
           <a:noFill/>
           <a:ln/>
           <a:extLst>
-            <a:ext uri="{909E8E84-426E-40DD-AFC4-6F175D3DCCD1}">
+            <a:ext uri="{909E8E84-426E-40dd-AFC4-6F175D3DCCD1}">
               <a14:hiddenFill xmlns:a14="http://schemas.microsoft.com/office/drawing/2010/main">
                 <a:solidFill>
                   <a:srgbClr val="FFFFFF"/>
                 </a:solidFill>
               </a14:hiddenFill>
             </a:ext>
-            <a:ext uri="{91240B29-F687-4F45-9708-019B960494DF}">
+            <a:ext uri="{91240B29-F687-4f45-9708-019B960494DF}">
               <a14:hiddenLine xmlns:a14="http://schemas.microsoft.com/office/drawing/2010/main" w="9525">
                 <a:solidFill>
                   <a:srgbClr val="000000"/>
@@ -6663,14 +6663,14 @@
           <a:noFill/>
           <a:ln/>
           <a:extLst>
-            <a:ext uri="{909E8E84-426E-40DD-AFC4-6F175D3DCCD1}">
+            <a:ext uri="{909E8E84-426E-40dd-AFC4-6F175D3DCCD1}">
               <a14:hiddenFill xmlns:a14="http://schemas.microsoft.com/office/drawing/2010/main">
                 <a:solidFill>
                   <a:srgbClr val="FFFFFF"/>
                 </a:solidFill>
               </a14:hiddenFill>
             </a:ext>
-            <a:ext uri="{91240B29-F687-4F45-9708-019B960494DF}">
+            <a:ext uri="{91240B29-F687-4f45-9708-019B960494DF}">
               <a14:hiddenLine xmlns:a14="http://schemas.microsoft.com/office/drawing/2010/main" w="9525">
                 <a:solidFill>
                   <a:srgbClr val="000000"/>
@@ -6734,14 +6734,14 @@
           <a:noFill/>
           <a:ln/>
           <a:extLst>
-            <a:ext uri="{909E8E84-426E-40DD-AFC4-6F175D3DCCD1}">
+            <a:ext uri="{909E8E84-426E-40dd-AFC4-6F175D3DCCD1}">
               <a14:hiddenFill xmlns:a14="http://schemas.microsoft.com/office/drawing/2010/main">
                 <a:solidFill>
                   <a:srgbClr val="FFFFFF"/>
                 </a:solidFill>
               </a14:hiddenFill>
             </a:ext>
-            <a:ext uri="{91240B29-F687-4F45-9708-019B960494DF}">
+            <a:ext uri="{91240B29-F687-4f45-9708-019B960494DF}">
               <a14:hiddenLine xmlns:a14="http://schemas.microsoft.com/office/drawing/2010/main" w="9525">
                 <a:solidFill>
                   <a:srgbClr val="000000"/>
@@ -6875,14 +6875,14 @@
           <a:noFill/>
           <a:ln/>
           <a:extLst>
-            <a:ext uri="{909E8E84-426E-40DD-AFC4-6F175D3DCCD1}">
+            <a:ext uri="{909E8E84-426E-40dd-AFC4-6F175D3DCCD1}">
               <a14:hiddenFill xmlns:a14="http://schemas.microsoft.com/office/drawing/2010/main">
                 <a:solidFill>
                   <a:srgbClr val="FFFFFF"/>
                 </a:solidFill>
               </a14:hiddenFill>
             </a:ext>
-            <a:ext uri="{91240B29-F687-4F45-9708-019B960494DF}">
+            <a:ext uri="{91240B29-F687-4f45-9708-019B960494DF}">
               <a14:hiddenLine xmlns:a14="http://schemas.microsoft.com/office/drawing/2010/main" w="9525">
                 <a:solidFill>
                   <a:srgbClr val="000000"/>
@@ -7016,14 +7016,14 @@
           <a:noFill/>
           <a:ln/>
           <a:extLst>
-            <a:ext uri="{909E8E84-426E-40DD-AFC4-6F175D3DCCD1}">
+            <a:ext uri="{909E8E84-426E-40dd-AFC4-6F175D3DCCD1}">
               <a14:hiddenFill xmlns:a14="http://schemas.microsoft.com/office/drawing/2010/main">
                 <a:solidFill>
                   <a:srgbClr val="FFFFFF"/>
                 </a:solidFill>
               </a14:hiddenFill>
             </a:ext>
-            <a:ext uri="{91240B29-F687-4F45-9708-019B960494DF}">
+            <a:ext uri="{91240B29-F687-4f45-9708-019B960494DF}">
               <a14:hiddenLine xmlns:a14="http://schemas.microsoft.com/office/drawing/2010/main" w="9525">
                 <a:solidFill>
                   <a:srgbClr val="000000"/>
@@ -7157,14 +7157,14 @@
           <a:noFill/>
           <a:ln/>
           <a:extLst>
-            <a:ext uri="{909E8E84-426E-40DD-AFC4-6F175D3DCCD1}">
+            <a:ext uri="{909E8E84-426E-40dd-AFC4-6F175D3DCCD1}">
               <a14:hiddenFill xmlns:a14="http://schemas.microsoft.com/office/drawing/2010/main">
                 <a:solidFill>
                   <a:srgbClr val="FFFFFF"/>
                 </a:solidFill>
               </a14:hiddenFill>
             </a:ext>
-            <a:ext uri="{91240B29-F687-4F45-9708-019B960494DF}">
+            <a:ext uri="{91240B29-F687-4f45-9708-019B960494DF}">
               <a14:hiddenLine xmlns:a14="http://schemas.microsoft.com/office/drawing/2010/main" w="9525">
                 <a:solidFill>
                   <a:srgbClr val="000000"/>
@@ -7314,14 +7314,14 @@
           <a:noFill/>
           <a:ln/>
           <a:extLst>
-            <a:ext uri="{909E8E84-426E-40DD-AFC4-6F175D3DCCD1}">
+            <a:ext uri="{909E8E84-426E-40dd-AFC4-6F175D3DCCD1}">
               <a14:hiddenFill xmlns:a14="http://schemas.microsoft.com/office/drawing/2010/main">
                 <a:solidFill>
                   <a:srgbClr val="FFFFFF"/>
                 </a:solidFill>
               </a14:hiddenFill>
             </a:ext>
-            <a:ext uri="{91240B29-F687-4F45-9708-019B960494DF}">
+            <a:ext uri="{91240B29-F687-4f45-9708-019B960494DF}">
               <a14:hiddenLine xmlns:a14="http://schemas.microsoft.com/office/drawing/2010/main" w="9525">
                 <a:solidFill>
                   <a:srgbClr val="000000"/>
@@ -7385,14 +7385,14 @@
           <a:noFill/>
           <a:ln/>
           <a:extLst>
-            <a:ext uri="{909E8E84-426E-40DD-AFC4-6F175D3DCCD1}">
+            <a:ext uri="{909E8E84-426E-40dd-AFC4-6F175D3DCCD1}">
               <a14:hiddenFill xmlns:a14="http://schemas.microsoft.com/office/drawing/2010/main">
                 <a:solidFill>
                   <a:srgbClr val="FFFFFF"/>
                 </a:solidFill>
               </a14:hiddenFill>
             </a:ext>
-            <a:ext uri="{91240B29-F687-4F45-9708-019B960494DF}">
+            <a:ext uri="{91240B29-F687-4f45-9708-019B960494DF}">
               <a14:hiddenLine xmlns:a14="http://schemas.microsoft.com/office/drawing/2010/main" w="9525">
                 <a:solidFill>
                   <a:srgbClr val="000000"/>
@@ -7526,14 +7526,14 @@
           <a:noFill/>
           <a:ln/>
           <a:extLst>
-            <a:ext uri="{909E8E84-426E-40DD-AFC4-6F175D3DCCD1}">
+            <a:ext uri="{909E8E84-426E-40dd-AFC4-6F175D3DCCD1}">
               <a14:hiddenFill xmlns:a14="http://schemas.microsoft.com/office/drawing/2010/main">
                 <a:solidFill>
                   <a:srgbClr val="FFFFFF"/>
                 </a:solidFill>
               </a14:hiddenFill>
             </a:ext>
-            <a:ext uri="{91240B29-F687-4F45-9708-019B960494DF}">
+            <a:ext uri="{91240B29-F687-4f45-9708-019B960494DF}">
               <a14:hiddenLine xmlns:a14="http://schemas.microsoft.com/office/drawing/2010/main" w="9525">
                 <a:solidFill>
                   <a:srgbClr val="000000"/>
@@ -7667,14 +7667,14 @@
           <a:noFill/>
           <a:ln/>
           <a:extLst>
-            <a:ext uri="{909E8E84-426E-40DD-AFC4-6F175D3DCCD1}">
+            <a:ext uri="{909E8E84-426E-40dd-AFC4-6F175D3DCCD1}">
               <a14:hiddenFill xmlns:a14="http://schemas.microsoft.com/office/drawing/2010/main">
                 <a:solidFill>
                   <a:srgbClr val="FFFFFF"/>
                 </a:solidFill>
               </a14:hiddenFill>
             </a:ext>
-            <a:ext uri="{91240B29-F687-4F45-9708-019B960494DF}">
+            <a:ext uri="{91240B29-F687-4f45-9708-019B960494DF}">
               <a14:hiddenLine xmlns:a14="http://schemas.microsoft.com/office/drawing/2010/main" w="9525">
                 <a:solidFill>
                   <a:srgbClr val="000000"/>
@@ -7808,14 +7808,14 @@
           <a:noFill/>
           <a:ln/>
           <a:extLst>
-            <a:ext uri="{909E8E84-426E-40DD-AFC4-6F175D3DCCD1}">
+            <a:ext uri="{909E8E84-426E-40dd-AFC4-6F175D3DCCD1}">
               <a14:hiddenFill xmlns:a14="http://schemas.microsoft.com/office/drawing/2010/main">
                 <a:solidFill>
                   <a:srgbClr val="FFFFFF"/>
                 </a:solidFill>
               </a14:hiddenFill>
             </a:ext>
-            <a:ext uri="{91240B29-F687-4F45-9708-019B960494DF}">
+            <a:ext uri="{91240B29-F687-4f45-9708-019B960494DF}">
               <a14:hiddenLine xmlns:a14="http://schemas.microsoft.com/office/drawing/2010/main" w="9525">
                 <a:solidFill>
                   <a:srgbClr val="000000"/>
@@ -7965,14 +7965,14 @@
           <a:noFill/>
           <a:ln/>
           <a:extLst>
-            <a:ext uri="{909E8E84-426E-40DD-AFC4-6F175D3DCCD1}">
+            <a:ext uri="{909E8E84-426E-40dd-AFC4-6F175D3DCCD1}">
               <a14:hiddenFill xmlns:a14="http://schemas.microsoft.com/office/drawing/2010/main">
                 <a:solidFill>
                   <a:srgbClr val="FFFFFF"/>
                 </a:solidFill>
               </a14:hiddenFill>
             </a:ext>
-            <a:ext uri="{91240B29-F687-4F45-9708-019B960494DF}">
+            <a:ext uri="{91240B29-F687-4f45-9708-019B960494DF}">
               <a14:hiddenLine xmlns:a14="http://schemas.microsoft.com/office/drawing/2010/main" w="9525">
                 <a:solidFill>
                   <a:srgbClr val="000000"/>
@@ -8151,7 +8151,7 @@
           </a:prstGeom>
           <a:noFill/>
           <a:extLst>
-            <a:ext uri="{909E8E84-426E-40DD-AFC4-6F175D3DCCD1}">
+            <a:ext uri="{909E8E84-426E-40dd-AFC4-6F175D3DCCD1}">
               <a14:hiddenFill xmlns:a14="http://schemas.microsoft.com/office/drawing/2010/main">
                 <a:solidFill>
                   <a:srgbClr val="FFFFFF"/>
@@ -8822,7 +8822,7 @@
           </a:prstGeom>
           <a:noFill/>
           <a:extLst>
-            <a:ext uri="{909E8E84-426E-40DD-AFC4-6F175D3DCCD1}">
+            <a:ext uri="{909E8E84-426E-40dd-AFC4-6F175D3DCCD1}">
               <a14:hiddenFill xmlns:a14="http://schemas.microsoft.com/office/drawing/2010/main">
                 <a:solidFill>
                   <a:srgbClr val="FFFFFF"/>
@@ -11127,14 +11127,14 @@
             <a:noFill/>
           </a:ln>
           <a:extLst>
-            <a:ext uri="{909E8E84-426E-40DD-AFC4-6F175D3DCCD1}">
+            <a:ext uri="{909E8E84-426E-40dd-AFC4-6F175D3DCCD1}">
               <a14:hiddenFill xmlns:a14="http://schemas.microsoft.com/office/drawing/2010/main">
                 <a:solidFill>
                   <a:srgbClr val="FFFFFF"/>
                 </a:solidFill>
               </a14:hiddenFill>
             </a:ext>
-            <a:ext uri="{91240B29-F687-4F45-9708-019B960494DF}">
+            <a:ext uri="{91240B29-F687-4f45-9708-019B960494DF}">
               <a14:hiddenLine xmlns:a14="http://schemas.microsoft.com/office/drawing/2010/main" w="9525">
                 <a:solidFill>
                   <a:srgbClr val="000000"/>
@@ -11301,14 +11301,14 @@
             <a:noFill/>
           </a:ln>
           <a:extLst>
-            <a:ext uri="{909E8E84-426E-40DD-AFC4-6F175D3DCCD1}">
+            <a:ext uri="{909E8E84-426E-40dd-AFC4-6F175D3DCCD1}">
               <a14:hiddenFill xmlns:a14="http://schemas.microsoft.com/office/drawing/2010/main">
                 <a:solidFill>
                   <a:srgbClr val="FFFFFF"/>
                 </a:solidFill>
               </a14:hiddenFill>
             </a:ext>
-            <a:ext uri="{91240B29-F687-4F45-9708-019B960494DF}">
+            <a:ext uri="{91240B29-F687-4f45-9708-019B960494DF}">
               <a14:hiddenLine xmlns:a14="http://schemas.microsoft.com/office/drawing/2010/main" w="9525">
                 <a:solidFill>
                   <a:srgbClr val="000000"/>
@@ -11592,14 +11592,14 @@
             <a:noFill/>
           </a:ln>
           <a:extLst>
-            <a:ext uri="{909E8E84-426E-40DD-AFC4-6F175D3DCCD1}">
+            <a:ext uri="{909E8E84-426E-40dd-AFC4-6F175D3DCCD1}">
               <a14:hiddenFill xmlns:a14="http://schemas.microsoft.com/office/drawing/2010/main">
                 <a:solidFill>
                   <a:srgbClr val="FFFFFF"/>
                 </a:solidFill>
               </a14:hiddenFill>
             </a:ext>
-            <a:ext uri="{91240B29-F687-4F45-9708-019B960494DF}">
+            <a:ext uri="{91240B29-F687-4f45-9708-019B960494DF}">
               <a14:hiddenLine xmlns:a14="http://schemas.microsoft.com/office/drawing/2010/main" w="9525">
                 <a:solidFill>
                   <a:srgbClr val="000000"/>
@@ -11766,14 +11766,14 @@
             <a:noFill/>
           </a:ln>
           <a:extLst>
-            <a:ext uri="{909E8E84-426E-40DD-AFC4-6F175D3DCCD1}">
+            <a:ext uri="{909E8E84-426E-40dd-AFC4-6F175D3DCCD1}">
               <a14:hiddenFill xmlns:a14="http://schemas.microsoft.com/office/drawing/2010/main">
                 <a:solidFill>
                   <a:srgbClr val="FFFFFF"/>
                 </a:solidFill>
               </a14:hiddenFill>
             </a:ext>
-            <a:ext uri="{91240B29-F687-4F45-9708-019B960494DF}">
+            <a:ext uri="{91240B29-F687-4f45-9708-019B960494DF}">
               <a14:hiddenLine xmlns:a14="http://schemas.microsoft.com/office/drawing/2010/main" w="9525">
                 <a:solidFill>
                   <a:srgbClr val="000000"/>
@@ -13862,7 +13862,7 @@
   <p:timing>
     <p:tnLst>
       <p:par>
-        <p:cTn id="1" dur="indefinite" restart="never" nodeType="tmRoot"/>
+        <p:cTn xmlns:p14="http://schemas.microsoft.com/office/powerpoint/2010/main" id="1" dur="indefinite" restart="never" nodeType="tmRoot"/>
       </p:par>
     </p:tnLst>
   </p:timing>
@@ -14039,7 +14039,7 @@
   <p:timing>
     <p:tnLst>
       <p:par>
-        <p:cTn id="1" dur="indefinite" restart="never" nodeType="tmRoot"/>
+        <p:cTn xmlns:p14="http://schemas.microsoft.com/office/powerpoint/2010/main" id="1" dur="indefinite" restart="never" nodeType="tmRoot"/>
       </p:par>
     </p:tnLst>
   </p:timing>
@@ -14166,12 +14166,16 @@
             <a:graphicFrameLocks noGrp="1"/>
           </p:cNvGraphicFramePr>
           <p:nvPr>
-            <p:extLst/>
+            <p:extLst>
+              <p:ext uri="{D42A27DB-BD31-4B8C-83A1-F6EECF244321}">
+                <p14:modId xmlns:p14="http://schemas.microsoft.com/office/powerpoint/2010/main" val="3685707754"/>
+              </p:ext>
+            </p:extLst>
           </p:nvPr>
         </p:nvGraphicFramePr>
         <p:xfrm>
           <a:off x="460703" y="1590109"/>
-          <a:ext cx="8511455" cy="1066800"/>
+          <a:ext cx="8511455" cy="853439"/>
         </p:xfrm>
         <a:graphic>
           <a:graphicData uri="http://schemas.openxmlformats.org/drawingml/2006/table">
@@ -14183,21 +14187,21 @@
                 <a:gridCol w="2207053">
                   <a:extLst>
                     <a:ext uri="{9D8B030D-6E8A-4147-A177-3AD203B41FA5}">
-                      <a16:colId xmlns:a16="http://schemas.microsoft.com/office/drawing/2014/main" xmlns="" val="1427776139"/>
+                      <a16:colId xmlns="" xmlns:a16="http://schemas.microsoft.com/office/drawing/2014/main" val="1427776139"/>
                     </a:ext>
                   </a:extLst>
                 </a:gridCol>
                 <a:gridCol w="3192433">
                   <a:extLst>
                     <a:ext uri="{9D8B030D-6E8A-4147-A177-3AD203B41FA5}">
-                      <a16:colId xmlns:a16="http://schemas.microsoft.com/office/drawing/2014/main" xmlns="" val="3370170297"/>
+                      <a16:colId xmlns="" xmlns:a16="http://schemas.microsoft.com/office/drawing/2014/main" val="3370170297"/>
                     </a:ext>
                   </a:extLst>
                 </a:gridCol>
                 <a:gridCol w="3111969">
                   <a:extLst>
                     <a:ext uri="{9D8B030D-6E8A-4147-A177-3AD203B41FA5}">
-                      <a16:colId xmlns:a16="http://schemas.microsoft.com/office/drawing/2014/main" xmlns="" val="784783711"/>
+                      <a16:colId xmlns="" xmlns:a16="http://schemas.microsoft.com/office/drawing/2014/main" val="784783711"/>
                     </a:ext>
                   </a:extLst>
                 </a:gridCol>
@@ -14268,7 +14272,7 @@
                 </a:tc>
                 <a:extLst>
                   <a:ext uri="{0D108BD9-81ED-4DB2-BD59-A6C34878D82A}">
-                    <a16:rowId xmlns:a16="http://schemas.microsoft.com/office/drawing/2014/main" xmlns="" val="2469836323"/>
+                    <a16:rowId xmlns="" xmlns:a16="http://schemas.microsoft.com/office/drawing/2014/main" val="2469836323"/>
                   </a:ext>
                 </a:extLst>
               </a:tr>
@@ -14295,7 +14299,7 @@
                           <a:ea typeface="Arial Unicode MS" panose="020B0604020202020204" pitchFamily="50" charset="-128"/>
                           <a:cs typeface="Arial Unicode MS" panose="020B0604020202020204" pitchFamily="50" charset="-128"/>
                         </a:rPr>
-                        <a:t>Create Directive</a:t>
+                        <a:t>observable</a:t>
                       </a:r>
                       <a:endParaRPr kumimoji="0" lang="en-US" sz="1400" b="0" i="0" u="none" strike="noStrike" kern="1200" cap="none" normalizeH="0" baseline="0" dirty="0">
                         <a:ln>
@@ -14318,41 +14322,28 @@
                     <a:bodyPr/>
                     <a:lstStyle/>
                     <a:p>
-                      <a:pPr marL="0" marR="0" indent="0" algn="ctr" defTabSz="914400" rtl="0" eaLnBrk="1" fontAlgn="auto" latinLnBrk="0" hangingPunct="1">
-                        <a:lnSpc>
-                          <a:spcPct val="100000"/>
-                        </a:lnSpc>
-                        <a:spcBef>
-                          <a:spcPts val="0"/>
-                        </a:spcBef>
-                        <a:spcAft>
-                          <a:spcPts val="0"/>
-                        </a:spcAft>
-                        <a:buClrTx/>
-                        <a:buSzTx/>
-                        <a:buFontTx/>
-                        <a:buNone/>
-                        <a:tabLst/>
-                        <a:defRPr/>
-                      </a:pPr>
+                      <a:pPr algn="ctr"/>
                       <a:r>
-                        <a:rPr kumimoji="0" lang="en-US" sz="1400" b="0" i="0" u="none" strike="noStrike" kern="1200" cap="none" normalizeH="0" baseline="0" dirty="0" smtClean="0">
-                          <a:ln>
-                            <a:noFill/>
-                          </a:ln>
-                          <a:solidFill>
-                            <a:srgbClr val="000000"/>
-                          </a:solidFill>
-                          <a:effectLst/>
-                          <a:latin typeface="Arial Unicode MS" panose="020B0604020202020204" pitchFamily="50" charset="-128"/>
-                          <a:ea typeface="Arial Unicode MS" panose="020B0604020202020204" pitchFamily="50" charset="-128"/>
-                          <a:cs typeface="Arial Unicode MS" panose="020B0604020202020204" pitchFamily="50" charset="-128"/>
+                        <a:rPr lang="en-US" altLang="zh-CN" sz="1400" b="0" dirty="0" smtClean="0">
+                          <a:latin typeface="SimSun" panose="02010600030101010101" pitchFamily="2" charset="-122"/>
+                          <a:ea typeface="SimSun" panose="02010600030101010101" pitchFamily="2" charset="-122"/>
                         </a:rPr>
-                        <a:t>Create a Structural/Attribute Directive and call it.</a:t>
+                        <a:t>Executing multiple</a:t>
                       </a:r>
-                    </a:p>
-                    <a:p>
-                      <a:pPr algn="ctr"/>
+                      <a:r>
+                        <a:rPr lang="en-US" altLang="zh-CN" sz="1400" b="0" baseline="0" dirty="0" smtClean="0">
+                          <a:latin typeface="SimSun" panose="02010600030101010101" pitchFamily="2" charset="-122"/>
+                          <a:ea typeface="SimSun" panose="02010600030101010101" pitchFamily="2" charset="-122"/>
+                        </a:rPr>
+                        <a:t> concurrent</a:t>
+                      </a:r>
+                      <a:r>
+                        <a:rPr lang="en-US" altLang="zh-CN" sz="1400" b="0" baseline="0" dirty="0" smtClean="0">
+                          <a:latin typeface="SimSun" panose="02010600030101010101" pitchFamily="2" charset="-122"/>
+                          <a:ea typeface="SimSun" panose="02010600030101010101" pitchFamily="2" charset="-122"/>
+                        </a:rPr>
+                        <a:t> http request</a:t>
+                      </a:r>
                       <a:endParaRPr lang="en-US" altLang="zh-CN" sz="1400" b="0" dirty="0">
                         <a:latin typeface="SimSun" panose="02010600030101010101" pitchFamily="2" charset="-122"/>
                         <a:ea typeface="SimSun" panose="02010600030101010101" pitchFamily="2" charset="-122"/>
@@ -14377,7 +14368,7 @@
                 </a:tc>
                 <a:extLst>
                   <a:ext uri="{0D108BD9-81ED-4DB2-BD59-A6C34878D82A}">
-                    <a16:rowId xmlns:a16="http://schemas.microsoft.com/office/drawing/2014/main" xmlns="" val="4026608687"/>
+                    <a16:rowId xmlns="" xmlns:a16="http://schemas.microsoft.com/office/drawing/2014/main" val="4026608687"/>
                   </a:ext>
                 </a:extLst>
               </a:tr>
@@ -14398,7 +14389,7 @@
   <p:timing>
     <p:tnLst>
       <p:par>
-        <p:cTn id="1" dur="indefinite" restart="never" nodeType="tmRoot"/>
+        <p:cTn xmlns:p14="http://schemas.microsoft.com/office/powerpoint/2010/main" id="1" dur="indefinite" restart="never" nodeType="tmRoot"/>
       </p:par>
     </p:tnLst>
   </p:timing>
@@ -14515,14 +14506,14 @@
             <a:noFill/>
           </a:ln>
           <a:extLst>
-            <a:ext uri="{909E8E84-426E-40DD-AFC4-6F175D3DCCD1}">
+            <a:ext uri="{909E8E84-426E-40dd-AFC4-6F175D3DCCD1}">
               <a14:hiddenFill xmlns:a14="http://schemas.microsoft.com/office/drawing/2010/main">
                 <a:solidFill>
                   <a:srgbClr val="FFFFFF"/>
                 </a:solidFill>
               </a14:hiddenFill>
             </a:ext>
-            <a:ext uri="{91240B29-F687-4F45-9708-019B960494DF}">
+            <a:ext uri="{91240B29-F687-4f45-9708-019B960494DF}">
               <a14:hiddenLine xmlns:a14="http://schemas.microsoft.com/office/drawing/2010/main" w="9525" algn="ctr">
                 <a:solidFill>
                   <a:srgbClr val="000000"/>
@@ -14642,7 +14633,7 @@
   <p:timing>
     <p:tnLst>
       <p:par>
-        <p:cTn id="1" dur="indefinite" restart="never" nodeType="tmRoot"/>
+        <p:cTn xmlns:p14="http://schemas.microsoft.com/office/powerpoint/2010/main" id="1" dur="indefinite" restart="never" nodeType="tmRoot"/>
       </p:par>
     </p:tnLst>
   </p:timing>
@@ -14722,7 +14713,7 @@
                 <a:gridCol w="7612062">
                   <a:extLst>
                     <a:ext uri="{9D8B030D-6E8A-4147-A177-3AD203B41FA5}">
-                      <a16:colId xmlns:a16="http://schemas.microsoft.com/office/drawing/2014/main" xmlns="" val="20000"/>
+                      <a16:colId xmlns="" xmlns:a16="http://schemas.microsoft.com/office/drawing/2014/main" val="20000"/>
                     </a:ext>
                   </a:extLst>
                 </a:gridCol>
@@ -15120,7 +15111,7 @@
                 </a:tc>
                 <a:extLst>
                   <a:ext uri="{0D108BD9-81ED-4DB2-BD59-A6C34878D82A}">
-                    <a16:rowId xmlns:a16="http://schemas.microsoft.com/office/drawing/2014/main" xmlns="" val="10001"/>
+                    <a16:rowId xmlns="" xmlns:a16="http://schemas.microsoft.com/office/drawing/2014/main" val="10001"/>
                   </a:ext>
                 </a:extLst>
               </a:tr>
@@ -15243,7 +15234,7 @@
   <p:timing>
     <p:tnLst>
       <p:par>
-        <p:cTn id="1" dur="indefinite" restart="never" nodeType="tmRoot"/>
+        <p:cTn xmlns:p14="http://schemas.microsoft.com/office/powerpoint/2010/main" id="1" dur="indefinite" restart="never" nodeType="tmRoot"/>
       </p:par>
     </p:tnLst>
   </p:timing>
@@ -15338,7 +15329,7 @@
                 <a:gridCol w="7612062">
                   <a:extLst>
                     <a:ext uri="{9D8B030D-6E8A-4147-A177-3AD203B41FA5}">
-                      <a16:colId xmlns:a16="http://schemas.microsoft.com/office/drawing/2014/main" xmlns="" val="20000"/>
+                      <a16:colId xmlns="" xmlns:a16="http://schemas.microsoft.com/office/drawing/2014/main" val="20000"/>
                     </a:ext>
                   </a:extLst>
                 </a:gridCol>
@@ -15433,7 +15424,7 @@
                 </a:tc>
                 <a:extLst>
                   <a:ext uri="{0D108BD9-81ED-4DB2-BD59-A6C34878D82A}">
-                    <a16:rowId xmlns:a16="http://schemas.microsoft.com/office/drawing/2014/main" xmlns="" val="10000"/>
+                    <a16:rowId xmlns="" xmlns:a16="http://schemas.microsoft.com/office/drawing/2014/main" val="10000"/>
                   </a:ext>
                 </a:extLst>
               </a:tr>
@@ -15515,7 +15506,7 @@
                 </a:tc>
                 <a:extLst>
                   <a:ext uri="{0D108BD9-81ED-4DB2-BD59-A6C34878D82A}">
-                    <a16:rowId xmlns:a16="http://schemas.microsoft.com/office/drawing/2014/main" xmlns="" val="10001"/>
+                    <a16:rowId xmlns="" xmlns:a16="http://schemas.microsoft.com/office/drawing/2014/main" val="10001"/>
                   </a:ext>
                 </a:extLst>
               </a:tr>
@@ -15650,7 +15641,7 @@
                 </a:tc>
                 <a:extLst>
                   <a:ext uri="{0D108BD9-81ED-4DB2-BD59-A6C34878D82A}">
-                    <a16:rowId xmlns:a16="http://schemas.microsoft.com/office/drawing/2014/main" xmlns="" val="10002"/>
+                    <a16:rowId xmlns="" xmlns:a16="http://schemas.microsoft.com/office/drawing/2014/main" val="10002"/>
                   </a:ext>
                 </a:extLst>
               </a:tr>
@@ -15773,7 +15764,7 @@
   <p:timing>
     <p:tnLst>
       <p:par>
-        <p:cTn id="1" dur="indefinite" restart="never" nodeType="tmRoot"/>
+        <p:cTn xmlns:p14="http://schemas.microsoft.com/office/powerpoint/2010/main" id="1" dur="indefinite" restart="never" nodeType="tmRoot"/>
       </p:par>
     </p:tnLst>
   </p:timing>
@@ -15876,7 +15867,7 @@
                 <a:gridCol w="7612062">
                   <a:extLst>
                     <a:ext uri="{9D8B030D-6E8A-4147-A177-3AD203B41FA5}">
-                      <a16:colId xmlns:a16="http://schemas.microsoft.com/office/drawing/2014/main" xmlns="" val="20000"/>
+                      <a16:colId xmlns="" xmlns:a16="http://schemas.microsoft.com/office/drawing/2014/main" val="20000"/>
                     </a:ext>
                   </a:extLst>
                 </a:gridCol>
@@ -15989,7 +15980,7 @@
                 </a:tc>
                 <a:extLst>
                   <a:ext uri="{0D108BD9-81ED-4DB2-BD59-A6C34878D82A}">
-                    <a16:rowId xmlns:a16="http://schemas.microsoft.com/office/drawing/2014/main" xmlns="" val="10001"/>
+                    <a16:rowId xmlns="" xmlns:a16="http://schemas.microsoft.com/office/drawing/2014/main" val="10001"/>
                   </a:ext>
                 </a:extLst>
               </a:tr>
@@ -16142,7 +16133,7 @@
   <p:timing>
     <p:tnLst>
       <p:par>
-        <p:cTn id="1" dur="indefinite" restart="never" nodeType="tmRoot"/>
+        <p:cTn xmlns:p14="http://schemas.microsoft.com/office/powerpoint/2010/main" id="1" dur="indefinite" restart="never" nodeType="tmRoot"/>
       </p:par>
     </p:tnLst>
   </p:timing>
@@ -16242,7 +16233,7 @@
                 <a:gridCol w="7612062">
                   <a:extLst>
                     <a:ext uri="{9D8B030D-6E8A-4147-A177-3AD203B41FA5}">
-                      <a16:colId xmlns:a16="http://schemas.microsoft.com/office/drawing/2014/main" xmlns="" val="20000"/>
+                      <a16:colId xmlns="" xmlns:a16="http://schemas.microsoft.com/office/drawing/2014/main" val="20000"/>
                     </a:ext>
                   </a:extLst>
                 </a:gridCol>
@@ -16318,22 +16309,7 @@
                           <a:ea typeface="Arial Unicode MS" panose="020B0604020202020204" pitchFamily="50" charset="-128"/>
                           <a:cs typeface="Arial Unicode MS" panose="020B0604020202020204" pitchFamily="50" charset="-128"/>
                         </a:rPr>
-                        <a:t>Observables </a:t>
-                      </a:r>
-                      <a:r>
-                        <a:rPr kumimoji="0" lang="en-US" altLang="zh-CN" sz="1400" b="0" i="0" u="none" strike="noStrike" kern="1200" cap="none" normalizeH="0" baseline="0" dirty="0" smtClean="0">
-                          <a:ln>
-                            <a:noFill/>
-                          </a:ln>
-                          <a:solidFill>
-                            <a:srgbClr val="000000"/>
-                          </a:solidFill>
-                          <a:effectLst/>
-                          <a:latin typeface="Arial Unicode MS" panose="020B0604020202020204" pitchFamily="50" charset="-128"/>
-                          <a:ea typeface="Arial Unicode MS" panose="020B0604020202020204" pitchFamily="50" charset="-128"/>
-                          <a:cs typeface="Arial Unicode MS" panose="020B0604020202020204" pitchFamily="50" charset="-128"/>
-                        </a:rPr>
-                        <a:t>are used to watch streams and emit functions when value, error or completed signal returned</a:t>
+                        <a:t>Observables are used to watch streams and emit functions when value, error or completed signal returned</a:t>
                       </a:r>
                     </a:p>
                     <a:p>
@@ -16421,7 +16397,7 @@
                 </a:tc>
                 <a:extLst>
                   <a:ext uri="{0D108BD9-81ED-4DB2-BD59-A6C34878D82A}">
-                    <a16:rowId xmlns:a16="http://schemas.microsoft.com/office/drawing/2014/main" xmlns="" val="10001"/>
+                    <a16:rowId xmlns="" xmlns:a16="http://schemas.microsoft.com/office/drawing/2014/main" val="10001"/>
                   </a:ext>
                 </a:extLst>
               </a:tr>
@@ -16544,7 +16520,7 @@
   <p:timing>
     <p:tnLst>
       <p:par>
-        <p:cTn id="1" dur="indefinite" restart="never" nodeType="tmRoot"/>
+        <p:cTn xmlns:p14="http://schemas.microsoft.com/office/powerpoint/2010/main" id="1" dur="indefinite" restart="never" nodeType="tmRoot"/>
       </p:par>
     </p:tnLst>
   </p:timing>
@@ -18511,11 +18487,11 @@
   <p:clrMapOvr>
     <a:overrideClrMapping bg1="lt1" tx1="dk1" bg2="lt2" tx2="dk2" accent1="accent1" accent2="accent2" accent3="accent3" accent4="accent4" accent5="accent5" accent6="accent6" hlink="hlink" folHlink="folHlink"/>
   </p:clrMapOvr>
-  <p:transition/>
+  <p:transition xmlns:p14="http://schemas.microsoft.com/office/powerpoint/2010/main"/>
   <p:timing>
     <p:tnLst>
       <p:par>
-        <p:cTn id="1" dur="indefinite" restart="never" nodeType="tmRoot">
+        <p:cTn xmlns:p14="http://schemas.microsoft.com/office/powerpoint/2010/main" id="1" dur="indefinite" restart="never" nodeType="tmRoot">
           <p:childTnLst>
             <p:seq concurrent="1" nextAc="seek">
               <p:cTn id="2" dur="indefinite" nodeType="mainSeq">
@@ -19306,7 +19282,7 @@
         </p:nvGraphicFramePr>
         <p:xfrm>
           <a:off x="321680" y="1333500"/>
-          <a:ext cx="7612062" cy="3520440"/>
+          <a:ext cx="7612062" cy="3520439"/>
         </p:xfrm>
         <a:graphic>
           <a:graphicData uri="http://schemas.openxmlformats.org/drawingml/2006/table">
@@ -19316,7 +19292,7 @@
                 <a:gridCol w="7612062">
                   <a:extLst>
                     <a:ext uri="{9D8B030D-6E8A-4147-A177-3AD203B41FA5}">
-                      <a16:colId xmlns:a16="http://schemas.microsoft.com/office/drawing/2014/main" xmlns="" val="20000"/>
+                      <a16:colId xmlns="" xmlns:a16="http://schemas.microsoft.com/office/drawing/2014/main" val="20000"/>
                     </a:ext>
                   </a:extLst>
                 </a:gridCol>
@@ -19373,18 +19349,6 @@
                         </a:rPr>
                         <a:t>JavaScript: RxJS</a:t>
                       </a:r>
-                      <a:endParaRPr kumimoji="0" lang="en-US" altLang="zh-CN" sz="1400" b="0" i="0" u="none" strike="noStrike" kern="1200" cap="none" normalizeH="0" baseline="0" dirty="0" smtClean="0">
-                        <a:ln>
-                          <a:noFill/>
-                        </a:ln>
-                        <a:solidFill>
-                          <a:srgbClr val="000000"/>
-                        </a:solidFill>
-                        <a:effectLst/>
-                        <a:latin typeface="Arial Unicode MS" panose="020B0604020202020204" pitchFamily="50" charset="-128"/>
-                        <a:ea typeface="Arial Unicode MS" panose="020B0604020202020204" pitchFamily="50" charset="-128"/>
-                        <a:cs typeface="Arial Unicode MS" panose="020B0604020202020204" pitchFamily="50" charset="-128"/>
-                      </a:endParaRPr>
                     </a:p>
                     <a:p>
                       <a:pPr marL="342900" indent="-342900" algn="l">
@@ -19657,7 +19621,7 @@
                 </a:tc>
                 <a:extLst>
                   <a:ext uri="{0D108BD9-81ED-4DB2-BD59-A6C34878D82A}">
-                    <a16:rowId xmlns:a16="http://schemas.microsoft.com/office/drawing/2014/main" xmlns="" val="10001"/>
+                    <a16:rowId xmlns="" xmlns:a16="http://schemas.microsoft.com/office/drawing/2014/main" val="10001"/>
                   </a:ext>
                 </a:extLst>
               </a:tr>
@@ -19780,7 +19744,7 @@
   <p:timing>
     <p:tnLst>
       <p:par>
-        <p:cTn id="1" dur="indefinite" restart="never" nodeType="tmRoot"/>
+        <p:cTn xmlns:p14="http://schemas.microsoft.com/office/powerpoint/2010/main" id="1" dur="indefinite" restart="never" nodeType="tmRoot"/>
       </p:par>
     </p:tnLst>
   </p:timing>
@@ -19868,7 +19832,7 @@
                 <a:gridCol w="7612062">
                   <a:extLst>
                     <a:ext uri="{9D8B030D-6E8A-4147-A177-3AD203B41FA5}">
-                      <a16:colId xmlns:a16="http://schemas.microsoft.com/office/drawing/2014/main" xmlns="" val="20000"/>
+                      <a16:colId xmlns="" xmlns:a16="http://schemas.microsoft.com/office/drawing/2014/main" val="20000"/>
                     </a:ext>
                   </a:extLst>
                 </a:gridCol>
@@ -20112,50 +20076,8 @@
                           <a:ea typeface="Arial Unicode MS" panose="020B0604020202020204" pitchFamily="50" charset="-128"/>
                           <a:cs typeface="Arial Unicode MS" panose="020B0604020202020204" pitchFamily="50" charset="-128"/>
                         </a:rPr>
-                        <a:t>Many </a:t>
+                        <a:t>Many operators (timer, range, interval, map, pluck, merge, MergeMap, SwitchMap)</a:t>
                       </a:r>
-                      <a:r>
-                        <a:rPr kumimoji="0" lang="en-US" altLang="zh-CN" sz="1400" b="0" i="0" u="none" strike="noStrike" kern="1200" cap="none" normalizeH="0" baseline="0" dirty="0" smtClean="0">
-                          <a:ln>
-                            <a:noFill/>
-                          </a:ln>
-                          <a:solidFill>
-                            <a:srgbClr val="000000"/>
-                          </a:solidFill>
-                          <a:effectLst/>
-                          <a:latin typeface="Arial Unicode MS" panose="020B0604020202020204" pitchFamily="50" charset="-128"/>
-                          <a:ea typeface="Arial Unicode MS" panose="020B0604020202020204" pitchFamily="50" charset="-128"/>
-                          <a:cs typeface="Arial Unicode MS" panose="020B0604020202020204" pitchFamily="50" charset="-128"/>
-                        </a:rPr>
-                        <a:t>operators (timer, range, interval, map, pluck, merge, </a:t>
-                      </a:r>
-                      <a:r>
-                        <a:rPr kumimoji="0" lang="en-US" altLang="zh-CN" sz="1400" b="0" i="0" u="none" strike="noStrike" kern="1200" cap="none" normalizeH="0" baseline="0" dirty="0" smtClean="0">
-                          <a:ln>
-                            <a:noFill/>
-                          </a:ln>
-                          <a:solidFill>
-                            <a:srgbClr val="000000"/>
-                          </a:solidFill>
-                          <a:effectLst/>
-                          <a:latin typeface="Arial Unicode MS" panose="020B0604020202020204" pitchFamily="50" charset="-128"/>
-                          <a:ea typeface="Arial Unicode MS" panose="020B0604020202020204" pitchFamily="50" charset="-128"/>
-                          <a:cs typeface="Arial Unicode MS" panose="020B0604020202020204" pitchFamily="50" charset="-128"/>
-                        </a:rPr>
-                        <a:t>MergeMap, SwitchMap)</a:t>
-                      </a:r>
-                      <a:endParaRPr kumimoji="0" lang="en-US" altLang="zh-CN" sz="1400" b="0" i="0" u="none" strike="noStrike" kern="1200" cap="none" normalizeH="0" baseline="0" dirty="0" smtClean="0">
-                        <a:ln>
-                          <a:noFill/>
-                        </a:ln>
-                        <a:solidFill>
-                          <a:srgbClr val="000000"/>
-                        </a:solidFill>
-                        <a:effectLst/>
-                        <a:latin typeface="Arial Unicode MS" panose="020B0604020202020204" pitchFamily="50" charset="-128"/>
-                        <a:ea typeface="Arial Unicode MS" panose="020B0604020202020204" pitchFamily="50" charset="-128"/>
-                        <a:cs typeface="Arial Unicode MS" panose="020B0604020202020204" pitchFamily="50" charset="-128"/>
-                      </a:endParaRPr>
                     </a:p>
                   </a:txBody>
                   <a:tcPr horzOverflow="overflow">
@@ -20182,7 +20104,7 @@
                 </a:tc>
                 <a:extLst>
                   <a:ext uri="{0D108BD9-81ED-4DB2-BD59-A6C34878D82A}">
-                    <a16:rowId xmlns:a16="http://schemas.microsoft.com/office/drawing/2014/main" xmlns="" val="10001"/>
+                    <a16:rowId xmlns="" xmlns:a16="http://schemas.microsoft.com/office/drawing/2014/main" val="10001"/>
                   </a:ext>
                 </a:extLst>
               </a:tr>
@@ -20343,7 +20265,7 @@
                 </a:tc>
                 <a:extLst>
                   <a:ext uri="{0D108BD9-81ED-4DB2-BD59-A6C34878D82A}">
-                    <a16:rowId xmlns:a16="http://schemas.microsoft.com/office/drawing/2014/main" xmlns="" val="10002"/>
+                    <a16:rowId xmlns="" xmlns:a16="http://schemas.microsoft.com/office/drawing/2014/main" val="10002"/>
                   </a:ext>
                 </a:extLst>
               </a:tr>
@@ -20406,7 +20328,7 @@
                 </a:tc>
                 <a:extLst>
                   <a:ext uri="{0D108BD9-81ED-4DB2-BD59-A6C34878D82A}">
-                    <a16:rowId xmlns:a16="http://schemas.microsoft.com/office/drawing/2014/main" xmlns="" val="10003"/>
+                    <a16:rowId xmlns="" xmlns:a16="http://schemas.microsoft.com/office/drawing/2014/main" val="10003"/>
                   </a:ext>
                 </a:extLst>
               </a:tr>
@@ -20529,7 +20451,7 @@
   <p:timing>
     <p:tnLst>
       <p:par>
-        <p:cTn id="1" dur="indefinite" restart="never" nodeType="tmRoot"/>
+        <p:cTn xmlns:p14="http://schemas.microsoft.com/office/powerpoint/2010/main" id="1" dur="indefinite" restart="never" nodeType="tmRoot"/>
       </p:par>
     </p:tnLst>
   </p:timing>
@@ -20632,7 +20554,7 @@
                 <a:gridCol w="7612062">
                   <a:extLst>
                     <a:ext uri="{9D8B030D-6E8A-4147-A177-3AD203B41FA5}">
-                      <a16:colId xmlns:a16="http://schemas.microsoft.com/office/drawing/2014/main" xmlns="" val="20000"/>
+                      <a16:colId xmlns="" xmlns:a16="http://schemas.microsoft.com/office/drawing/2014/main" val="20000"/>
                     </a:ext>
                   </a:extLst>
                 </a:gridCol>
@@ -20712,7 +20634,7 @@
                 </a:tc>
                 <a:extLst>
                   <a:ext uri="{0D108BD9-81ED-4DB2-BD59-A6C34878D82A}">
-                    <a16:rowId xmlns:a16="http://schemas.microsoft.com/office/drawing/2014/main" xmlns="" val="10000"/>
+                    <a16:rowId xmlns="" xmlns:a16="http://schemas.microsoft.com/office/drawing/2014/main" val="10000"/>
                   </a:ext>
                 </a:extLst>
               </a:tr>
@@ -20851,22 +20773,7 @@
                           <a:ea typeface="Arial Unicode MS" panose="020B0604020202020204" pitchFamily="50" charset="-128"/>
                           <a:cs typeface="Arial Unicode MS" panose="020B0604020202020204" pitchFamily="50" charset="-128"/>
                         </a:rPr>
-                        <a:t>Webpack &amp; </a:t>
-                      </a:r>
-                      <a:r>
-                        <a:rPr kumimoji="0" lang="en-US" sz="1400" b="0" i="0" u="none" strike="noStrike" kern="1200" cap="none" normalizeH="0" baseline="0" dirty="0" smtClean="0">
-                          <a:ln>
-                            <a:noFill/>
-                          </a:ln>
-                          <a:solidFill>
-                            <a:srgbClr val="000000"/>
-                          </a:solidFill>
-                          <a:effectLst/>
-                          <a:latin typeface="Arial Unicode MS" panose="020B0604020202020204" pitchFamily="50" charset="-128"/>
-                          <a:ea typeface="Arial Unicode MS" panose="020B0604020202020204" pitchFamily="50" charset="-128"/>
-                          <a:cs typeface="Arial Unicode MS" panose="020B0604020202020204" pitchFamily="50" charset="-128"/>
-                        </a:rPr>
-                        <a:t>Babel (</a:t>
+                        <a:t>Webpack &amp; Babel (</a:t>
                       </a:r>
                       <a:r>
                         <a:rPr kumimoji="0" lang="en-US" altLang="zh-CN" sz="1400" b="0" i="0" u="none" strike="noStrike" kern="1200" cap="none" normalizeH="0" baseline="0" dirty="0" smtClean="0">
@@ -21054,18 +20961,6 @@
                         </a:rPr>
                         <a:t>ES6 (http://es6.ruanyifeng.com/)</a:t>
                       </a:r>
-                      <a:endParaRPr kumimoji="0" lang="en-US" sz="1400" b="0" i="0" u="none" strike="noStrike" kern="1200" cap="none" normalizeH="0" baseline="0" dirty="0" smtClean="0">
-                        <a:ln>
-                          <a:noFill/>
-                        </a:ln>
-                        <a:solidFill>
-                          <a:srgbClr val="000000"/>
-                        </a:solidFill>
-                        <a:effectLst/>
-                        <a:latin typeface="Arial Unicode MS" panose="020B0604020202020204" pitchFamily="50" charset="-128"/>
-                        <a:ea typeface="Arial Unicode MS" panose="020B0604020202020204" pitchFamily="50" charset="-128"/>
-                        <a:cs typeface="Arial Unicode MS" panose="020B0604020202020204" pitchFamily="50" charset="-128"/>
-                      </a:endParaRPr>
                     </a:p>
                   </a:txBody>
                   <a:tcPr horzOverflow="overflow">
@@ -21092,7 +20987,7 @@
                 </a:tc>
                 <a:extLst>
                   <a:ext uri="{0D108BD9-81ED-4DB2-BD59-A6C34878D82A}">
-                    <a16:rowId xmlns:a16="http://schemas.microsoft.com/office/drawing/2014/main" xmlns="" val="10001"/>
+                    <a16:rowId xmlns="" xmlns:a16="http://schemas.microsoft.com/office/drawing/2014/main" val="10001"/>
                   </a:ext>
                 </a:extLst>
               </a:tr>
@@ -21215,7 +21110,7 @@
   <p:timing>
     <p:tnLst>
       <p:par>
-        <p:cTn id="1" dur="indefinite" restart="never" nodeType="tmRoot"/>
+        <p:cTn xmlns:p14="http://schemas.microsoft.com/office/powerpoint/2010/main" id="1" dur="indefinite" restart="never" nodeType="tmRoot"/>
       </p:par>
     </p:tnLst>
   </p:timing>
